--- a/aulas/aula4/Otimizacao.pptx
+++ b/aulas/aula4/Otimizacao.pptx
@@ -36,12 +36,12 @@
     <p:sldId id="285" r:id="rId30"/>
     <p:sldId id="286" r:id="rId31"/>
     <p:sldId id="287" r:id="rId32"/>
-    <p:sldId id="288" r:id="rId33"/>
-    <p:sldId id="294" r:id="rId34"/>
-    <p:sldId id="295" r:id="rId35"/>
-    <p:sldId id="296" r:id="rId36"/>
-    <p:sldId id="297" r:id="rId37"/>
-    <p:sldId id="298" r:id="rId38"/>
+    <p:sldId id="294" r:id="rId33"/>
+    <p:sldId id="295" r:id="rId34"/>
+    <p:sldId id="296" r:id="rId35"/>
+    <p:sldId id="297" r:id="rId36"/>
+    <p:sldId id="298" r:id="rId37"/>
+    <p:sldId id="288" r:id="rId38"/>
     <p:sldId id="289" r:id="rId39"/>
     <p:sldId id="290" r:id="rId40"/>
     <p:sldId id="291" r:id="rId41"/>
@@ -53,7 +53,7 @@
     <p:sldId id="300" r:id="rId47"/>
   </p:sldIdLst>
   <p:sldSz cx="9144000" cy="6858000" type="screen4x3"/>
-  <p:notesSz cx="6858000" cy="9144000"/>
+  <p:notesSz cx="7099300" cy="10234613"/>
   <p:defaultTextStyle>
     <a:defPPr>
       <a:defRPr lang="pt-BR"/>
@@ -334,7 +334,7 @@
             <a:fld id="{87C0B3D0-AE6B-447D-8943-6F4FD9A12EAF}" type="datetimeFigureOut">
               <a:rPr lang="pt-BR" smtClean="0"/>
               <a:pPr/>
-              <a:t>31/01/2012</a:t>
+              <a:t>09/02/2012</a:t>
             </a:fld>
             <a:endParaRPr lang="pt-BR"/>
           </a:p>
@@ -501,7 +501,7 @@
             <a:fld id="{87C0B3D0-AE6B-447D-8943-6F4FD9A12EAF}" type="datetimeFigureOut">
               <a:rPr lang="pt-BR" smtClean="0"/>
               <a:pPr/>
-              <a:t>31/01/2012</a:t>
+              <a:t>09/02/2012</a:t>
             </a:fld>
             <a:endParaRPr lang="pt-BR"/>
           </a:p>
@@ -678,7 +678,7 @@
             <a:fld id="{87C0B3D0-AE6B-447D-8943-6F4FD9A12EAF}" type="datetimeFigureOut">
               <a:rPr lang="pt-BR" smtClean="0"/>
               <a:pPr/>
-              <a:t>31/01/2012</a:t>
+              <a:t>09/02/2012</a:t>
             </a:fld>
             <a:endParaRPr lang="pt-BR"/>
           </a:p>
@@ -845,7 +845,7 @@
             <a:fld id="{87C0B3D0-AE6B-447D-8943-6F4FD9A12EAF}" type="datetimeFigureOut">
               <a:rPr lang="pt-BR" smtClean="0"/>
               <a:pPr/>
-              <a:t>31/01/2012</a:t>
+              <a:t>09/02/2012</a:t>
             </a:fld>
             <a:endParaRPr lang="pt-BR"/>
           </a:p>
@@ -1088,7 +1088,7 @@
             <a:fld id="{87C0B3D0-AE6B-447D-8943-6F4FD9A12EAF}" type="datetimeFigureOut">
               <a:rPr lang="pt-BR" smtClean="0"/>
               <a:pPr/>
-              <a:t>31/01/2012</a:t>
+              <a:t>09/02/2012</a:t>
             </a:fld>
             <a:endParaRPr lang="pt-BR"/>
           </a:p>
@@ -1373,7 +1373,7 @@
             <a:fld id="{87C0B3D0-AE6B-447D-8943-6F4FD9A12EAF}" type="datetimeFigureOut">
               <a:rPr lang="pt-BR" smtClean="0"/>
               <a:pPr/>
-              <a:t>31/01/2012</a:t>
+              <a:t>09/02/2012</a:t>
             </a:fld>
             <a:endParaRPr lang="pt-BR"/>
           </a:p>
@@ -1792,7 +1792,7 @@
             <a:fld id="{87C0B3D0-AE6B-447D-8943-6F4FD9A12EAF}" type="datetimeFigureOut">
               <a:rPr lang="pt-BR" smtClean="0"/>
               <a:pPr/>
-              <a:t>31/01/2012</a:t>
+              <a:t>09/02/2012</a:t>
             </a:fld>
             <a:endParaRPr lang="pt-BR"/>
           </a:p>
@@ -1907,7 +1907,7 @@
             <a:fld id="{87C0B3D0-AE6B-447D-8943-6F4FD9A12EAF}" type="datetimeFigureOut">
               <a:rPr lang="pt-BR" smtClean="0"/>
               <a:pPr/>
-              <a:t>31/01/2012</a:t>
+              <a:t>09/02/2012</a:t>
             </a:fld>
             <a:endParaRPr lang="pt-BR"/>
           </a:p>
@@ -1999,7 +1999,7 @@
             <a:fld id="{87C0B3D0-AE6B-447D-8943-6F4FD9A12EAF}" type="datetimeFigureOut">
               <a:rPr lang="pt-BR" smtClean="0"/>
               <a:pPr/>
-              <a:t>31/01/2012</a:t>
+              <a:t>09/02/2012</a:t>
             </a:fld>
             <a:endParaRPr lang="pt-BR"/>
           </a:p>
@@ -2273,7 +2273,7 @@
             <a:fld id="{87C0B3D0-AE6B-447D-8943-6F4FD9A12EAF}" type="datetimeFigureOut">
               <a:rPr lang="pt-BR" smtClean="0"/>
               <a:pPr/>
-              <a:t>31/01/2012</a:t>
+              <a:t>09/02/2012</a:t>
             </a:fld>
             <a:endParaRPr lang="pt-BR"/>
           </a:p>
@@ -2523,7 +2523,7 @@
             <a:fld id="{87C0B3D0-AE6B-447D-8943-6F4FD9A12EAF}" type="datetimeFigureOut">
               <a:rPr lang="pt-BR" smtClean="0"/>
               <a:pPr/>
-              <a:t>31/01/2012</a:t>
+              <a:t>09/02/2012</a:t>
             </a:fld>
             <a:endParaRPr lang="pt-BR"/>
           </a:p>
@@ -2733,7 +2733,7 @@
             <a:fld id="{87C0B3D0-AE6B-447D-8943-6F4FD9A12EAF}" type="datetimeFigureOut">
               <a:rPr lang="pt-BR" smtClean="0"/>
               <a:pPr/>
-              <a:t>31/01/2012</a:t>
+              <a:t>09/02/2012</a:t>
             </a:fld>
             <a:endParaRPr lang="pt-BR"/>
           </a:p>
@@ -27604,64 +27604,26 @@
           </a:p>
         </p:txBody>
       </p:sp>
-      <p:sp>
-        <p:nvSpPr>
-          <p:cNvPr id="3" name="Espaço Reservado para Conteúdo 2"/>
-          <p:cNvSpPr txBox="1">
-            <a:spLocks/>
-          </p:cNvSpPr>
-          <p:nvPr/>
-        </p:nvSpPr>
-        <p:spPr>
-          <a:xfrm>
-            <a:off x="2441256" y="3054660"/>
-            <a:ext cx="4248472" cy="748680"/>
-          </a:xfrm>
-          <a:prstGeom prst="rect">
-            <a:avLst/>
-          </a:prstGeom>
-        </p:spPr>
-        <p:txBody>
-          <a:bodyPr>
-            <a:noAutofit/>
-          </a:bodyPr>
-          <a:lstStyle/>
-          <a:p>
-            <a:pPr marL="342900" marR="0" lvl="0" indent="-342900" algn="ctr" defTabSz="914400" rtl="0" eaLnBrk="1" fontAlgn="auto" latinLnBrk="0" hangingPunct="1">
-              <a:lnSpc>
-                <a:spcPct val="100000"/>
-              </a:lnSpc>
-              <a:spcBef>
-                <a:spcPct val="20000"/>
-              </a:spcBef>
-              <a:spcAft>
-                <a:spcPts val="0"/>
-              </a:spcAft>
-              <a:buClrTx/>
-              <a:buSzTx/>
-              <a:tabLst/>
-              <a:defRPr/>
-            </a:pPr>
-            <a:r>
-              <a:rPr kumimoji="0" lang="pt-BR" sz="4000" b="0" i="0" u="none" strike="noStrike" kern="1200" cap="none" spc="0" normalizeH="0" baseline="0" noProof="0" smtClean="0">
-                <a:ln>
-                  <a:noFill/>
-                </a:ln>
-                <a:solidFill>
-                  <a:schemeClr val="tx1"/>
-                </a:solidFill>
-                <a:effectLst/>
-                <a:uLnTx/>
-                <a:uFillTx/>
-                <a:latin typeface="+mn-lt"/>
-                <a:ea typeface="+mn-ea"/>
-                <a:cs typeface="+mn-cs"/>
-              </a:rPr>
-              <a:t>Vamos às contas!</a:t>
-            </a:r>
-          </a:p>
-        </p:txBody>
-      </p:sp>
+      <p:graphicFrame>
+        <p:nvGraphicFramePr>
+          <p:cNvPr id="4" name="Objeto 3"/>
+          <p:cNvGraphicFramePr>
+            <a:graphicFrameLocks noChangeAspect="1"/>
+          </p:cNvGraphicFramePr>
+          <p:nvPr/>
+        </p:nvGraphicFramePr>
+        <p:xfrm>
+          <a:off x="4097440" y="1743472"/>
+          <a:ext cx="914400" cy="533400"/>
+        </p:xfrm>
+        <a:graphic>
+          <a:graphicData uri="http://schemas.openxmlformats.org/presentationml/2006/ole">
+            <p:oleObj spid="_x0000_s44034" name="Equação" r:id="rId3" imgW="304560" imgH="177480" progId="Equation.3">
+              <p:embed/>
+            </p:oleObj>
+          </a:graphicData>
+        </a:graphic>
+      </p:graphicFrame>
     </p:spTree>
   </p:cSld>
   <p:clrMapOvr>
@@ -27731,7 +27693,27 @@
         </p:xfrm>
         <a:graphic>
           <a:graphicData uri="http://schemas.openxmlformats.org/presentationml/2006/ole">
-            <p:oleObj spid="_x0000_s44034" name="Equação" r:id="rId3" imgW="304560" imgH="177480" progId="Equation.3">
+            <p:oleObj spid="_x0000_s45058" name="Equação" r:id="rId3" imgW="304560" imgH="177480" progId="Equation.3">
+              <p:embed/>
+            </p:oleObj>
+          </a:graphicData>
+        </a:graphic>
+      </p:graphicFrame>
+      <p:graphicFrame>
+        <p:nvGraphicFramePr>
+          <p:cNvPr id="45059" name="Object 2"/>
+          <p:cNvGraphicFramePr>
+            <a:graphicFrameLocks noChangeAspect="1"/>
+          </p:cNvGraphicFramePr>
+          <p:nvPr/>
+        </p:nvGraphicFramePr>
+        <p:xfrm>
+          <a:off x="661988" y="2686050"/>
+          <a:ext cx="7810500" cy="952500"/>
+        </p:xfrm>
+        <a:graphic>
+          <a:graphicData uri="http://schemas.openxmlformats.org/presentationml/2006/ole">
+            <p:oleObj spid="_x0000_s45059" name="Equação" r:id="rId4" imgW="2603160" imgH="317160" progId="Equation.3">
               <p:embed/>
             </p:oleObj>
           </a:graphicData>
@@ -27806,7 +27788,7 @@
         </p:xfrm>
         <a:graphic>
           <a:graphicData uri="http://schemas.openxmlformats.org/presentationml/2006/ole">
-            <p:oleObj spid="_x0000_s45058" name="Equação" r:id="rId3" imgW="304560" imgH="177480" progId="Equation.3">
+            <p:oleObj spid="_x0000_s46082" name="Equação" r:id="rId3" imgW="304560" imgH="177480" progId="Equation.3">
               <p:embed/>
             </p:oleObj>
           </a:graphicData>
@@ -27826,7 +27808,27 @@
         </p:xfrm>
         <a:graphic>
           <a:graphicData uri="http://schemas.openxmlformats.org/presentationml/2006/ole">
-            <p:oleObj spid="_x0000_s45059" name="Equação" r:id="rId4" imgW="2603160" imgH="317160" progId="Equation.3">
+            <p:oleObj spid="_x0000_s46083" name="Equação" r:id="rId4" imgW="2603160" imgH="317160" progId="Equation.3">
+              <p:embed/>
+            </p:oleObj>
+          </a:graphicData>
+        </a:graphic>
+      </p:graphicFrame>
+      <p:graphicFrame>
+        <p:nvGraphicFramePr>
+          <p:cNvPr id="6" name="Object 2"/>
+          <p:cNvGraphicFramePr>
+            <a:graphicFrameLocks noChangeAspect="1"/>
+          </p:cNvGraphicFramePr>
+          <p:nvPr/>
+        </p:nvGraphicFramePr>
+        <p:xfrm>
+          <a:off x="637176" y="4103688"/>
+          <a:ext cx="3352800" cy="723900"/>
+        </p:xfrm>
+        <a:graphic>
+          <a:graphicData uri="http://schemas.openxmlformats.org/presentationml/2006/ole">
+            <p:oleObj spid="_x0000_s46085" name="Equação" r:id="rId5" imgW="1117440" imgH="241200" progId="Equation.3">
               <p:embed/>
             </p:oleObj>
           </a:graphicData>
@@ -27901,7 +27903,7 @@
         </p:xfrm>
         <a:graphic>
           <a:graphicData uri="http://schemas.openxmlformats.org/presentationml/2006/ole">
-            <p:oleObj spid="_x0000_s46082" name="Equação" r:id="rId3" imgW="304560" imgH="177480" progId="Equation.3">
+            <p:oleObj spid="_x0000_s47106" name="Equação" r:id="rId3" imgW="304560" imgH="177480" progId="Equation.3">
               <p:embed/>
             </p:oleObj>
           </a:graphicData>
@@ -27921,7 +27923,7 @@
         </p:xfrm>
         <a:graphic>
           <a:graphicData uri="http://schemas.openxmlformats.org/presentationml/2006/ole">
-            <p:oleObj spid="_x0000_s46083" name="Equação" r:id="rId4" imgW="2603160" imgH="317160" progId="Equation.3">
+            <p:oleObj spid="_x0000_s47107" name="Equação" r:id="rId4" imgW="2603160" imgH="317160" progId="Equation.3">
               <p:embed/>
             </p:oleObj>
           </a:graphicData>
@@ -27929,7 +27931,7 @@
       </p:graphicFrame>
       <p:graphicFrame>
         <p:nvGraphicFramePr>
-          <p:cNvPr id="6" name="Object 2"/>
+          <p:cNvPr id="46084" name="Object 2"/>
           <p:cNvGraphicFramePr>
             <a:graphicFrameLocks noChangeAspect="1"/>
           </p:cNvGraphicFramePr>
@@ -27941,12 +27943,143 @@
         </p:xfrm>
         <a:graphic>
           <a:graphicData uri="http://schemas.openxmlformats.org/presentationml/2006/ole">
-            <p:oleObj spid="_x0000_s46085" name="Equação" r:id="rId5" imgW="1117440" imgH="241200" progId="Equation.3">
+            <p:oleObj spid="_x0000_s47108" name="Equação" r:id="rId5" imgW="1117440" imgH="241200" progId="Equation.3">
               <p:embed/>
             </p:oleObj>
           </a:graphicData>
         </a:graphic>
       </p:graphicFrame>
+      <p:sp>
+        <p:nvSpPr>
+          <p:cNvPr id="6" name="Retângulo 5"/>
+          <p:cNvSpPr/>
+          <p:nvPr/>
+        </p:nvSpPr>
+        <p:spPr>
+          <a:xfrm>
+            <a:off x="583796" y="4077072"/>
+            <a:ext cx="1296144" cy="792088"/>
+          </a:xfrm>
+          <a:prstGeom prst="rect">
+            <a:avLst/>
+          </a:prstGeom>
+          <a:noFill/>
+          <a:ln>
+            <a:solidFill>
+              <a:srgbClr val="FF0000"/>
+            </a:solidFill>
+          </a:ln>
+        </p:spPr>
+        <p:style>
+          <a:lnRef idx="2">
+            <a:schemeClr val="accent1">
+              <a:shade val="50000"/>
+            </a:schemeClr>
+          </a:lnRef>
+          <a:fillRef idx="1">
+            <a:schemeClr val="accent1"/>
+          </a:fillRef>
+          <a:effectRef idx="0">
+            <a:schemeClr val="accent1"/>
+          </a:effectRef>
+          <a:fontRef idx="minor">
+            <a:schemeClr val="lt1"/>
+          </a:fontRef>
+        </p:style>
+        <p:txBody>
+          <a:bodyPr rtlCol="0" anchor="ctr"/>
+          <a:lstStyle/>
+          <a:p>
+            <a:pPr algn="ctr"/>
+            <a:endParaRPr lang="pt-BR"/>
+          </a:p>
+        </p:txBody>
+      </p:sp>
+      <p:sp>
+        <p:nvSpPr>
+          <p:cNvPr id="7" name="Retângulo 6"/>
+          <p:cNvSpPr/>
+          <p:nvPr/>
+        </p:nvSpPr>
+        <p:spPr>
+          <a:xfrm>
+            <a:off x="6748720" y="2695904"/>
+            <a:ext cx="1296144" cy="792088"/>
+          </a:xfrm>
+          <a:prstGeom prst="rect">
+            <a:avLst/>
+          </a:prstGeom>
+          <a:noFill/>
+          <a:ln>
+            <a:solidFill>
+              <a:srgbClr val="FF0000"/>
+            </a:solidFill>
+          </a:ln>
+        </p:spPr>
+        <p:style>
+          <a:lnRef idx="2">
+            <a:schemeClr val="accent1">
+              <a:shade val="50000"/>
+            </a:schemeClr>
+          </a:lnRef>
+          <a:fillRef idx="1">
+            <a:schemeClr val="accent1"/>
+          </a:fillRef>
+          <a:effectRef idx="0">
+            <a:schemeClr val="accent1"/>
+          </a:effectRef>
+          <a:fontRef idx="minor">
+            <a:schemeClr val="lt1"/>
+          </a:fontRef>
+        </p:style>
+        <p:txBody>
+          <a:bodyPr rtlCol="0" anchor="ctr"/>
+          <a:lstStyle/>
+          <a:p>
+            <a:pPr algn="ctr"/>
+            <a:endParaRPr lang="pt-BR"/>
+          </a:p>
+        </p:txBody>
+      </p:sp>
+      <p:sp>
+        <p:nvSpPr>
+          <p:cNvPr id="8" name="CaixaDeTexto 7"/>
+          <p:cNvSpPr txBox="1"/>
+          <p:nvPr/>
+        </p:nvSpPr>
+        <p:spPr>
+          <a:xfrm>
+            <a:off x="179512" y="5642084"/>
+            <a:ext cx="4248472" cy="523220"/>
+          </a:xfrm>
+          <a:prstGeom prst="rect">
+            <a:avLst/>
+          </a:prstGeom>
+          <a:noFill/>
+        </p:spPr>
+        <p:txBody>
+          <a:bodyPr wrap="square" rtlCol="0">
+            <a:spAutoFit/>
+          </a:bodyPr>
+          <a:lstStyle/>
+          <a:p>
+            <a:pPr algn="ctr"/>
+            <a:r>
+              <a:rPr lang="pt-BR" sz="2800" smtClean="0">
+                <a:solidFill>
+                  <a:srgbClr val="FF0000"/>
+                </a:solidFill>
+              </a:rPr>
+              <a:t>Diferença entre os métodos</a:t>
+            </a:r>
+            <a:endParaRPr lang="pt-BR" sz="2800">
+              <a:solidFill>
+                <a:srgbClr val="FF0000"/>
+              </a:solidFill>
+            </a:endParaRPr>
+          </a:p>
+        </p:txBody>
+      </p:sp>
     </p:spTree>
   </p:cSld>
   <p:clrMapOvr>
@@ -28016,7 +28149,7 @@
         </p:xfrm>
         <a:graphic>
           <a:graphicData uri="http://schemas.openxmlformats.org/presentationml/2006/ole">
-            <p:oleObj spid="_x0000_s47106" name="Equação" r:id="rId3" imgW="304560" imgH="177480" progId="Equation.3">
+            <p:oleObj spid="_x0000_s48130" name="Equação" r:id="rId3" imgW="304560" imgH="177480" progId="Equation.3">
               <p:embed/>
             </p:oleObj>
           </a:graphicData>
@@ -28036,27 +28169,7 @@
         </p:xfrm>
         <a:graphic>
           <a:graphicData uri="http://schemas.openxmlformats.org/presentationml/2006/ole">
-            <p:oleObj spid="_x0000_s47107" name="Equação" r:id="rId4" imgW="2603160" imgH="317160" progId="Equation.3">
-              <p:embed/>
-            </p:oleObj>
-          </a:graphicData>
-        </a:graphic>
-      </p:graphicFrame>
-      <p:graphicFrame>
-        <p:nvGraphicFramePr>
-          <p:cNvPr id="46084" name="Object 2"/>
-          <p:cNvGraphicFramePr>
-            <a:graphicFrameLocks noChangeAspect="1"/>
-          </p:cNvGraphicFramePr>
-          <p:nvPr/>
-        </p:nvGraphicFramePr>
-        <p:xfrm>
-          <a:off x="637176" y="4103688"/>
-          <a:ext cx="3352800" cy="723900"/>
-        </p:xfrm>
-        <a:graphic>
-          <a:graphicData uri="http://schemas.openxmlformats.org/presentationml/2006/ole">
-            <p:oleObj spid="_x0000_s47108" name="Equação" r:id="rId5" imgW="1117440" imgH="241200" progId="Equation.3">
+            <p:oleObj spid="_x0000_s48131" name="Equação" r:id="rId4" imgW="2603160" imgH="317160" progId="Equation.3">
               <p:embed/>
             </p:oleObj>
           </a:graphicData>
@@ -28064,13 +28177,13 @@
       </p:graphicFrame>
       <p:sp>
         <p:nvSpPr>
-          <p:cNvPr id="6" name="Retângulo 5"/>
+          <p:cNvPr id="7" name="Retângulo 6"/>
           <p:cNvSpPr/>
           <p:nvPr/>
         </p:nvSpPr>
         <p:spPr>
           <a:xfrm>
-            <a:off x="583796" y="4077072"/>
+            <a:off x="6748720" y="2695904"/>
             <a:ext cx="1296144" cy="792088"/>
           </a:xfrm>
           <a:prstGeom prst="rect">
@@ -28108,15 +28221,35 @@
           </a:p>
         </p:txBody>
       </p:sp>
+      <p:graphicFrame>
+        <p:nvGraphicFramePr>
+          <p:cNvPr id="9" name="Object 2"/>
+          <p:cNvGraphicFramePr>
+            <a:graphicFrameLocks noChangeAspect="1"/>
+          </p:cNvGraphicFramePr>
+          <p:nvPr/>
+        </p:nvGraphicFramePr>
+        <p:xfrm>
+          <a:off x="637176" y="4103688"/>
+          <a:ext cx="3352800" cy="723900"/>
+        </p:xfrm>
+        <a:graphic>
+          <a:graphicData uri="http://schemas.openxmlformats.org/presentationml/2006/ole">
+            <p:oleObj spid="_x0000_s48133" name="Equação" r:id="rId5" imgW="1117440" imgH="241200" progId="Equation.3">
+              <p:embed/>
+            </p:oleObj>
+          </a:graphicData>
+        </a:graphic>
+      </p:graphicFrame>
       <p:sp>
         <p:nvSpPr>
-          <p:cNvPr id="7" name="Retângulo 6"/>
+          <p:cNvPr id="10" name="Retângulo 9"/>
           <p:cNvSpPr/>
           <p:nvPr/>
         </p:nvSpPr>
         <p:spPr>
           <a:xfrm>
-            <a:off x="6748720" y="2695904"/>
+            <a:off x="583796" y="4077072"/>
             <a:ext cx="1296144" cy="792088"/>
           </a:xfrm>
           <a:prstGeom prst="rect">
@@ -28156,7 +28289,7 @@
       </p:sp>
       <p:sp>
         <p:nvSpPr>
-          <p:cNvPr id="8" name="CaixaDeTexto 7"/>
+          <p:cNvPr id="11" name="CaixaDeTexto 10"/>
           <p:cNvSpPr txBox="1"/>
           <p:nvPr/>
         </p:nvSpPr>
@@ -28190,6 +28323,206 @@
                 <a:srgbClr val="FF0000"/>
               </a:solidFill>
             </a:endParaRPr>
+          </a:p>
+        </p:txBody>
+      </p:sp>
+      <p:graphicFrame>
+        <p:nvGraphicFramePr>
+          <p:cNvPr id="48134" name="Object 2"/>
+          <p:cNvGraphicFramePr>
+            <a:graphicFrameLocks noChangeAspect="1"/>
+          </p:cNvGraphicFramePr>
+          <p:nvPr/>
+        </p:nvGraphicFramePr>
+        <p:xfrm>
+          <a:off x="7236296" y="4595813"/>
+          <a:ext cx="1066800" cy="723900"/>
+        </p:xfrm>
+        <a:graphic>
+          <a:graphicData uri="http://schemas.openxmlformats.org/presentationml/2006/ole">
+            <p:oleObj spid="_x0000_s48134" name="Equação" r:id="rId6" imgW="355320" imgH="241200" progId="Equation.3">
+              <p:embed/>
+            </p:oleObj>
+          </a:graphicData>
+        </a:graphic>
+      </p:graphicFrame>
+      <p:graphicFrame>
+        <p:nvGraphicFramePr>
+          <p:cNvPr id="48135" name="Object 2"/>
+          <p:cNvGraphicFramePr>
+            <a:graphicFrameLocks noChangeAspect="1"/>
+          </p:cNvGraphicFramePr>
+          <p:nvPr/>
+        </p:nvGraphicFramePr>
+        <p:xfrm>
+          <a:off x="7236296" y="3789363"/>
+          <a:ext cx="1257300" cy="723900"/>
+        </p:xfrm>
+        <a:graphic>
+          <a:graphicData uri="http://schemas.openxmlformats.org/presentationml/2006/ole">
+            <p:oleObj spid="_x0000_s48135" name="Equação" r:id="rId7" imgW="419040" imgH="241200" progId="Equation.3">
+              <p:embed/>
+            </p:oleObj>
+          </a:graphicData>
+        </a:graphic>
+      </p:graphicFrame>
+      <p:graphicFrame>
+        <p:nvGraphicFramePr>
+          <p:cNvPr id="48136" name="Object 2"/>
+          <p:cNvGraphicFramePr>
+            <a:graphicFrameLocks noChangeAspect="1"/>
+          </p:cNvGraphicFramePr>
+          <p:nvPr/>
+        </p:nvGraphicFramePr>
+        <p:xfrm>
+          <a:off x="7236296" y="5445224"/>
+          <a:ext cx="571500" cy="533400"/>
+        </p:xfrm>
+        <a:graphic>
+          <a:graphicData uri="http://schemas.openxmlformats.org/presentationml/2006/ole">
+            <p:oleObj spid="_x0000_s48136" name="Equação" r:id="rId8" imgW="190440" imgH="177480" progId="Equation.3">
+              <p:embed/>
+            </p:oleObj>
+          </a:graphicData>
+        </a:graphic>
+      </p:graphicFrame>
+      <p:graphicFrame>
+        <p:nvGraphicFramePr>
+          <p:cNvPr id="48137" name="Object 2"/>
+          <p:cNvGraphicFramePr>
+            <a:graphicFrameLocks noChangeAspect="1"/>
+          </p:cNvGraphicFramePr>
+          <p:nvPr/>
+        </p:nvGraphicFramePr>
+        <p:xfrm>
+          <a:off x="7236296" y="6018213"/>
+          <a:ext cx="1752600" cy="723900"/>
+        </p:xfrm>
+        <a:graphic>
+          <a:graphicData uri="http://schemas.openxmlformats.org/presentationml/2006/ole">
+            <p:oleObj spid="_x0000_s48137" name="Equação" r:id="rId9" imgW="583920" imgH="241200" progId="Equation.3">
+              <p:embed/>
+            </p:oleObj>
+          </a:graphicData>
+        </a:graphic>
+      </p:graphicFrame>
+      <p:sp>
+        <p:nvSpPr>
+          <p:cNvPr id="16" name="CaixaDeTexto 15"/>
+          <p:cNvSpPr txBox="1"/>
+          <p:nvPr/>
+        </p:nvSpPr>
+        <p:spPr>
+          <a:xfrm>
+            <a:off x="4572000" y="3966647"/>
+            <a:ext cx="1080120" cy="369332"/>
+          </a:xfrm>
+          <a:prstGeom prst="rect">
+            <a:avLst/>
+          </a:prstGeom>
+          <a:noFill/>
+        </p:spPr>
+        <p:txBody>
+          <a:bodyPr wrap="square" rtlCol="0">
+            <a:spAutoFit/>
+          </a:bodyPr>
+          <a:lstStyle/>
+          <a:p>
+            <a:r>
+              <a:rPr lang="pt-BR" smtClean="0"/>
+              <a:t>Newton</a:t>
+            </a:r>
+            <a:endParaRPr lang="pt-BR"/>
+          </a:p>
+        </p:txBody>
+      </p:sp>
+      <p:sp>
+        <p:nvSpPr>
+          <p:cNvPr id="17" name="CaixaDeTexto 16"/>
+          <p:cNvSpPr txBox="1"/>
+          <p:nvPr/>
+        </p:nvSpPr>
+        <p:spPr>
+          <a:xfrm>
+            <a:off x="4572000" y="4773097"/>
+            <a:ext cx="1728192" cy="369332"/>
+          </a:xfrm>
+          <a:prstGeom prst="rect">
+            <a:avLst/>
+          </a:prstGeom>
+          <a:noFill/>
+        </p:spPr>
+        <p:txBody>
+          <a:bodyPr wrap="square" rtlCol="0">
+            <a:spAutoFit/>
+          </a:bodyPr>
+          <a:lstStyle/>
+          <a:p>
+            <a:r>
+              <a:rPr lang="pt-BR" smtClean="0"/>
+              <a:t>Gauss - Newton</a:t>
+            </a:r>
+            <a:endParaRPr lang="pt-BR"/>
+          </a:p>
+        </p:txBody>
+      </p:sp>
+      <p:sp>
+        <p:nvSpPr>
+          <p:cNvPr id="18" name="CaixaDeTexto 17"/>
+          <p:cNvSpPr txBox="1"/>
+          <p:nvPr/>
+        </p:nvSpPr>
+        <p:spPr>
+          <a:xfrm>
+            <a:off x="4572000" y="5517232"/>
+            <a:ext cx="1872208" cy="369332"/>
+          </a:xfrm>
+          <a:prstGeom prst="rect">
+            <a:avLst/>
+          </a:prstGeom>
+          <a:noFill/>
+        </p:spPr>
+        <p:txBody>
+          <a:bodyPr wrap="square" rtlCol="0">
+            <a:spAutoFit/>
+          </a:bodyPr>
+          <a:lstStyle/>
+          <a:p>
+            <a:r>
+              <a:rPr lang="pt-BR" smtClean="0"/>
+              <a:t>Steepest Decent</a:t>
+            </a:r>
+            <a:endParaRPr lang="pt-BR"/>
+          </a:p>
+        </p:txBody>
+      </p:sp>
+      <p:sp>
+        <p:nvSpPr>
+          <p:cNvPr id="19" name="CaixaDeTexto 18"/>
+          <p:cNvSpPr txBox="1"/>
+          <p:nvPr/>
+        </p:nvSpPr>
+        <p:spPr>
+          <a:xfrm>
+            <a:off x="4572000" y="6195497"/>
+            <a:ext cx="2592288" cy="369332"/>
+          </a:xfrm>
+          <a:prstGeom prst="rect">
+            <a:avLst/>
+          </a:prstGeom>
+          <a:noFill/>
+        </p:spPr>
+        <p:txBody>
+          <a:bodyPr wrap="square" rtlCol="0">
+            <a:spAutoFit/>
+          </a:bodyPr>
+          <a:lstStyle/>
+          <a:p>
+            <a:r>
+              <a:rPr lang="pt-BR" smtClean="0"/>
+              <a:t>Levenberg - Marquardt</a:t>
+            </a:r>
+            <a:endParaRPr lang="pt-BR"/>
           </a:p>
         </p:txBody>
       </p:sp>
@@ -28248,394 +28581,61 @@
           </a:p>
         </p:txBody>
       </p:sp>
-      <p:graphicFrame>
-        <p:nvGraphicFramePr>
-          <p:cNvPr id="4" name="Objeto 3"/>
-          <p:cNvGraphicFramePr>
-            <a:graphicFrameLocks noChangeAspect="1"/>
-          </p:cNvGraphicFramePr>
-          <p:nvPr/>
-        </p:nvGraphicFramePr>
-        <p:xfrm>
-          <a:off x="4097440" y="1743472"/>
-          <a:ext cx="914400" cy="533400"/>
-        </p:xfrm>
-        <a:graphic>
-          <a:graphicData uri="http://schemas.openxmlformats.org/presentationml/2006/ole">
-            <p:oleObj spid="_x0000_s48130" name="Equação" r:id="rId3" imgW="304560" imgH="177480" progId="Equation.3">
-              <p:embed/>
-            </p:oleObj>
-          </a:graphicData>
-        </a:graphic>
-      </p:graphicFrame>
-      <p:graphicFrame>
-        <p:nvGraphicFramePr>
-          <p:cNvPr id="45059" name="Object 2"/>
-          <p:cNvGraphicFramePr>
-            <a:graphicFrameLocks noChangeAspect="1"/>
-          </p:cNvGraphicFramePr>
-          <p:nvPr/>
-        </p:nvGraphicFramePr>
-        <p:xfrm>
-          <a:off x="661988" y="2686050"/>
-          <a:ext cx="7810500" cy="952500"/>
-        </p:xfrm>
-        <a:graphic>
-          <a:graphicData uri="http://schemas.openxmlformats.org/presentationml/2006/ole">
-            <p:oleObj spid="_x0000_s48131" name="Equação" r:id="rId4" imgW="2603160" imgH="317160" progId="Equation.3">
-              <p:embed/>
-            </p:oleObj>
-          </a:graphicData>
-        </a:graphic>
-      </p:graphicFrame>
       <p:sp>
         <p:nvSpPr>
-          <p:cNvPr id="7" name="Retângulo 6"/>
-          <p:cNvSpPr/>
+          <p:cNvPr id="3" name="Espaço Reservado para Conteúdo 2"/>
+          <p:cNvSpPr txBox="1">
+            <a:spLocks/>
+          </p:cNvSpPr>
           <p:nvPr/>
         </p:nvSpPr>
         <p:spPr>
           <a:xfrm>
-            <a:off x="6748720" y="2695904"/>
-            <a:ext cx="1296144" cy="792088"/>
+            <a:off x="2441256" y="3054660"/>
+            <a:ext cx="4248472" cy="748680"/>
           </a:xfrm>
           <a:prstGeom prst="rect">
             <a:avLst/>
           </a:prstGeom>
-          <a:noFill/>
-          <a:ln>
-            <a:solidFill>
-              <a:srgbClr val="FF0000"/>
-            </a:solidFill>
-          </a:ln>
-        </p:spPr>
-        <p:style>
-          <a:lnRef idx="2">
-            <a:schemeClr val="accent1">
-              <a:shade val="50000"/>
-            </a:schemeClr>
-          </a:lnRef>
-          <a:fillRef idx="1">
-            <a:schemeClr val="accent1"/>
-          </a:fillRef>
-          <a:effectRef idx="0">
-            <a:schemeClr val="accent1"/>
-          </a:effectRef>
-          <a:fontRef idx="minor">
-            <a:schemeClr val="lt1"/>
-          </a:fontRef>
-        </p:style>
+        </p:spPr>
         <p:txBody>
-          <a:bodyPr rtlCol="0" anchor="ctr"/>
-          <a:lstStyle/>
-          <a:p>
-            <a:pPr algn="ctr"/>
-            <a:endParaRPr lang="pt-BR"/>
-          </a:p>
-        </p:txBody>
-      </p:sp>
-      <p:graphicFrame>
-        <p:nvGraphicFramePr>
-          <p:cNvPr id="9" name="Object 2"/>
-          <p:cNvGraphicFramePr>
-            <a:graphicFrameLocks noChangeAspect="1"/>
-          </p:cNvGraphicFramePr>
-          <p:nvPr/>
-        </p:nvGraphicFramePr>
-        <p:xfrm>
-          <a:off x="637176" y="4103688"/>
-          <a:ext cx="3352800" cy="723900"/>
-        </p:xfrm>
-        <a:graphic>
-          <a:graphicData uri="http://schemas.openxmlformats.org/presentationml/2006/ole">
-            <p:oleObj spid="_x0000_s48133" name="Equação" r:id="rId5" imgW="1117440" imgH="241200" progId="Equation.3">
-              <p:embed/>
-            </p:oleObj>
-          </a:graphicData>
-        </a:graphic>
-      </p:graphicFrame>
-      <p:sp>
-        <p:nvSpPr>
-          <p:cNvPr id="10" name="Retângulo 9"/>
-          <p:cNvSpPr/>
-          <p:nvPr/>
-        </p:nvSpPr>
-        <p:spPr>
-          <a:xfrm>
-            <a:off x="583796" y="4077072"/>
-            <a:ext cx="1296144" cy="792088"/>
-          </a:xfrm>
-          <a:prstGeom prst="rect">
-            <a:avLst/>
-          </a:prstGeom>
-          <a:noFill/>
-          <a:ln>
-            <a:solidFill>
-              <a:srgbClr val="FF0000"/>
-            </a:solidFill>
-          </a:ln>
-        </p:spPr>
-        <p:style>
-          <a:lnRef idx="2">
-            <a:schemeClr val="accent1">
-              <a:shade val="50000"/>
-            </a:schemeClr>
-          </a:lnRef>
-          <a:fillRef idx="1">
-            <a:schemeClr val="accent1"/>
-          </a:fillRef>
-          <a:effectRef idx="0">
-            <a:schemeClr val="accent1"/>
-          </a:effectRef>
-          <a:fontRef idx="minor">
-            <a:schemeClr val="lt1"/>
-          </a:fontRef>
-        </p:style>
-        <p:txBody>
-          <a:bodyPr rtlCol="0" anchor="ctr"/>
-          <a:lstStyle/>
-          <a:p>
-            <a:pPr algn="ctr"/>
-            <a:endParaRPr lang="pt-BR"/>
-          </a:p>
-        </p:txBody>
-      </p:sp>
-      <p:sp>
-        <p:nvSpPr>
-          <p:cNvPr id="11" name="CaixaDeTexto 10"/>
-          <p:cNvSpPr txBox="1"/>
-          <p:nvPr/>
-        </p:nvSpPr>
-        <p:spPr>
-          <a:xfrm>
-            <a:off x="179512" y="5642084"/>
-            <a:ext cx="4248472" cy="523220"/>
-          </a:xfrm>
-          <a:prstGeom prst="rect">
-            <a:avLst/>
-          </a:prstGeom>
-          <a:noFill/>
-        </p:spPr>
-        <p:txBody>
-          <a:bodyPr wrap="square" rtlCol="0">
-            <a:spAutoFit/>
+          <a:bodyPr>
+            <a:noAutofit/>
           </a:bodyPr>
           <a:lstStyle/>
           <a:p>
-            <a:pPr algn="ctr"/>
-            <a:r>
-              <a:rPr lang="pt-BR" sz="2800" smtClean="0">
+            <a:pPr marL="342900" marR="0" lvl="0" indent="-342900" algn="ctr" defTabSz="914400" rtl="0" eaLnBrk="1" fontAlgn="auto" latinLnBrk="0" hangingPunct="1">
+              <a:lnSpc>
+                <a:spcPct val="100000"/>
+              </a:lnSpc>
+              <a:spcBef>
+                <a:spcPct val="20000"/>
+              </a:spcBef>
+              <a:spcAft>
+                <a:spcPts val="0"/>
+              </a:spcAft>
+              <a:buClrTx/>
+              <a:buSzTx/>
+              <a:tabLst/>
+              <a:defRPr/>
+            </a:pPr>
+            <a:r>
+              <a:rPr kumimoji="0" lang="pt-BR" sz="4000" b="0" i="0" u="none" strike="noStrike" kern="1200" cap="none" spc="0" normalizeH="0" baseline="0" noProof="0" smtClean="0">
+                <a:ln>
+                  <a:noFill/>
+                </a:ln>
                 <a:solidFill>
-                  <a:srgbClr val="FF0000"/>
+                  <a:schemeClr val="tx1"/>
                 </a:solidFill>
+                <a:effectLst/>
+                <a:uLnTx/>
+                <a:uFillTx/>
+                <a:latin typeface="+mn-lt"/>
+                <a:ea typeface="+mn-ea"/>
+                <a:cs typeface="+mn-cs"/>
               </a:rPr>
-              <a:t>Diferença entre os métodos</a:t>
-            </a:r>
-            <a:endParaRPr lang="pt-BR" sz="2800">
-              <a:solidFill>
-                <a:srgbClr val="FF0000"/>
-              </a:solidFill>
-            </a:endParaRPr>
-          </a:p>
-        </p:txBody>
-      </p:sp>
-      <p:graphicFrame>
-        <p:nvGraphicFramePr>
-          <p:cNvPr id="48134" name="Object 2"/>
-          <p:cNvGraphicFramePr>
-            <a:graphicFrameLocks noChangeAspect="1"/>
-          </p:cNvGraphicFramePr>
-          <p:nvPr/>
-        </p:nvGraphicFramePr>
-        <p:xfrm>
-          <a:off x="7236296" y="4595813"/>
-          <a:ext cx="1066800" cy="723900"/>
-        </p:xfrm>
-        <a:graphic>
-          <a:graphicData uri="http://schemas.openxmlformats.org/presentationml/2006/ole">
-            <p:oleObj spid="_x0000_s48134" name="Equação" r:id="rId6" imgW="355320" imgH="241200" progId="Equation.3">
-              <p:embed/>
-            </p:oleObj>
-          </a:graphicData>
-        </a:graphic>
-      </p:graphicFrame>
-      <p:graphicFrame>
-        <p:nvGraphicFramePr>
-          <p:cNvPr id="48135" name="Object 2"/>
-          <p:cNvGraphicFramePr>
-            <a:graphicFrameLocks noChangeAspect="1"/>
-          </p:cNvGraphicFramePr>
-          <p:nvPr/>
-        </p:nvGraphicFramePr>
-        <p:xfrm>
-          <a:off x="7236296" y="3789363"/>
-          <a:ext cx="1257300" cy="723900"/>
-        </p:xfrm>
-        <a:graphic>
-          <a:graphicData uri="http://schemas.openxmlformats.org/presentationml/2006/ole">
-            <p:oleObj spid="_x0000_s48135" name="Equação" r:id="rId7" imgW="419040" imgH="241200" progId="Equation.3">
-              <p:embed/>
-            </p:oleObj>
-          </a:graphicData>
-        </a:graphic>
-      </p:graphicFrame>
-      <p:graphicFrame>
-        <p:nvGraphicFramePr>
-          <p:cNvPr id="48136" name="Object 2"/>
-          <p:cNvGraphicFramePr>
-            <a:graphicFrameLocks noChangeAspect="1"/>
-          </p:cNvGraphicFramePr>
-          <p:nvPr/>
-        </p:nvGraphicFramePr>
-        <p:xfrm>
-          <a:off x="7236296" y="5445224"/>
-          <a:ext cx="571500" cy="533400"/>
-        </p:xfrm>
-        <a:graphic>
-          <a:graphicData uri="http://schemas.openxmlformats.org/presentationml/2006/ole">
-            <p:oleObj spid="_x0000_s48136" name="Equação" r:id="rId8" imgW="190440" imgH="177480" progId="Equation.3">
-              <p:embed/>
-            </p:oleObj>
-          </a:graphicData>
-        </a:graphic>
-      </p:graphicFrame>
-      <p:graphicFrame>
-        <p:nvGraphicFramePr>
-          <p:cNvPr id="48137" name="Object 2"/>
-          <p:cNvGraphicFramePr>
-            <a:graphicFrameLocks noChangeAspect="1"/>
-          </p:cNvGraphicFramePr>
-          <p:nvPr/>
-        </p:nvGraphicFramePr>
-        <p:xfrm>
-          <a:off x="7236296" y="6018213"/>
-          <a:ext cx="1752600" cy="723900"/>
-        </p:xfrm>
-        <a:graphic>
-          <a:graphicData uri="http://schemas.openxmlformats.org/presentationml/2006/ole">
-            <p:oleObj spid="_x0000_s48137" name="Equação" r:id="rId9" imgW="583920" imgH="241200" progId="Equation.3">
-              <p:embed/>
-            </p:oleObj>
-          </a:graphicData>
-        </a:graphic>
-      </p:graphicFrame>
-      <p:sp>
-        <p:nvSpPr>
-          <p:cNvPr id="16" name="CaixaDeTexto 15"/>
-          <p:cNvSpPr txBox="1"/>
-          <p:nvPr/>
-        </p:nvSpPr>
-        <p:spPr>
-          <a:xfrm>
-            <a:off x="4572000" y="3966647"/>
-            <a:ext cx="1080120" cy="369332"/>
-          </a:xfrm>
-          <a:prstGeom prst="rect">
-            <a:avLst/>
-          </a:prstGeom>
-          <a:noFill/>
-        </p:spPr>
-        <p:txBody>
-          <a:bodyPr wrap="square" rtlCol="0">
-            <a:spAutoFit/>
-          </a:bodyPr>
-          <a:lstStyle/>
-          <a:p>
-            <a:r>
-              <a:rPr lang="pt-BR" smtClean="0"/>
-              <a:t>Newton</a:t>
-            </a:r>
-            <a:endParaRPr lang="pt-BR"/>
-          </a:p>
-        </p:txBody>
-      </p:sp>
-      <p:sp>
-        <p:nvSpPr>
-          <p:cNvPr id="17" name="CaixaDeTexto 16"/>
-          <p:cNvSpPr txBox="1"/>
-          <p:nvPr/>
-        </p:nvSpPr>
-        <p:spPr>
-          <a:xfrm>
-            <a:off x="4572000" y="4773097"/>
-            <a:ext cx="1728192" cy="369332"/>
-          </a:xfrm>
-          <a:prstGeom prst="rect">
-            <a:avLst/>
-          </a:prstGeom>
-          <a:noFill/>
-        </p:spPr>
-        <p:txBody>
-          <a:bodyPr wrap="square" rtlCol="0">
-            <a:spAutoFit/>
-          </a:bodyPr>
-          <a:lstStyle/>
-          <a:p>
-            <a:r>
-              <a:rPr lang="pt-BR" smtClean="0"/>
-              <a:t>Gauss - Newton</a:t>
-            </a:r>
-            <a:endParaRPr lang="pt-BR"/>
-          </a:p>
-        </p:txBody>
-      </p:sp>
-      <p:sp>
-        <p:nvSpPr>
-          <p:cNvPr id="18" name="CaixaDeTexto 17"/>
-          <p:cNvSpPr txBox="1"/>
-          <p:nvPr/>
-        </p:nvSpPr>
-        <p:spPr>
-          <a:xfrm>
-            <a:off x="4572000" y="5517232"/>
-            <a:ext cx="1872208" cy="369332"/>
-          </a:xfrm>
-          <a:prstGeom prst="rect">
-            <a:avLst/>
-          </a:prstGeom>
-          <a:noFill/>
-        </p:spPr>
-        <p:txBody>
-          <a:bodyPr wrap="square" rtlCol="0">
-            <a:spAutoFit/>
-          </a:bodyPr>
-          <a:lstStyle/>
-          <a:p>
-            <a:r>
-              <a:rPr lang="pt-BR" smtClean="0"/>
-              <a:t>Steepest Decent</a:t>
-            </a:r>
-            <a:endParaRPr lang="pt-BR"/>
-          </a:p>
-        </p:txBody>
-      </p:sp>
-      <p:sp>
-        <p:nvSpPr>
-          <p:cNvPr id="19" name="CaixaDeTexto 18"/>
-          <p:cNvSpPr txBox="1"/>
-          <p:nvPr/>
-        </p:nvSpPr>
-        <p:spPr>
-          <a:xfrm>
-            <a:off x="4572000" y="6195497"/>
-            <a:ext cx="2592288" cy="369332"/>
-          </a:xfrm>
-          <a:prstGeom prst="rect">
-            <a:avLst/>
-          </a:prstGeom>
-          <a:noFill/>
-        </p:spPr>
-        <p:txBody>
-          <a:bodyPr wrap="square" rtlCol="0">
-            <a:spAutoFit/>
-          </a:bodyPr>
-          <a:lstStyle/>
-          <a:p>
-            <a:r>
-              <a:rPr lang="pt-BR" smtClean="0"/>
-              <a:t>Levenberg - Marquardt</a:t>
-            </a:r>
-            <a:endParaRPr lang="pt-BR"/>
+              <a:t>Vamos às contas!</a:t>
+            </a:r>
           </a:p>
         </p:txBody>
       </p:sp>
@@ -30652,17 +30652,55 @@
             </a:pPr>
             <a:r>
               <a:rPr lang="pt-BR" smtClean="0"/>
-              <a:t> SE{[ps = 1] OU [ps </a:t>
+              <a:t> </a:t>
+            </a:r>
+            <a:r>
+              <a:rPr lang="pt-BR" smtClean="0"/>
+              <a:t>SE{(ps </a:t>
+            </a:r>
+            <a:r>
+              <a:rPr lang="pt-BR" smtClean="0"/>
+              <a:t>= </a:t>
+            </a:r>
+            <a:r>
+              <a:rPr lang="pt-BR" smtClean="0"/>
+              <a:t>1) </a:t>
+            </a:r>
+            <a:r>
+              <a:rPr lang="pt-BR" smtClean="0"/>
+              <a:t>OU </a:t>
+            </a:r>
+            <a:r>
+              <a:rPr lang="pt-BR" smtClean="0"/>
+              <a:t>[(ps </a:t>
             </a:r>
             <a:r>
               <a:rPr lang="pt-BR" smtClean="0">
                 <a:latin typeface="Calibri"/>
               </a:rPr>
-              <a:t>≠ 1</a:t>
+              <a:t>≠ </a:t>
+            </a:r>
+            <a:r>
+              <a:rPr lang="pt-BR" smtClean="0">
+                <a:latin typeface="Calibri"/>
+              </a:rPr>
+              <a:t>1</a:t>
             </a:r>
             <a:r>
               <a:rPr lang="pt-BR" smtClean="0"/>
-              <a:t>] E [</a:t>
+              <a:t>)</a:t>
+            </a:r>
+            <a:r>
+              <a:rPr lang="pt-BR" smtClean="0"/>
+              <a:t> </a:t>
+            </a:r>
+            <a:r>
+              <a:rPr lang="pt-BR" smtClean="0"/>
+              <a:t>E </a:t>
+            </a:r>
+            <a:r>
+              <a:rPr lang="pt-BR" smtClean="0"/>
+              <a:t>(</a:t>
             </a:r>
             <a:r>
               <a:rPr lang="pt-BR" i="1" smtClean="0"/>
@@ -30680,7 +30718,11 @@
             </a:r>
             <a:r>
               <a:rPr lang="pt-BR" smtClean="0"/>
-              <a:t> ps]} </a:t>
+              <a:t> </a:t>
+            </a:r>
+            <a:r>
+              <a:rPr lang="pt-BR" smtClean="0"/>
+              <a:t>ps)]} </a:t>
             </a:r>
             <a:r>
               <a:rPr lang="pt-BR" smtClean="0">
@@ -30811,7 +30853,7 @@
         <p:spPr>
           <a:xfrm>
             <a:off x="611560" y="1844824"/>
-            <a:ext cx="8064896" cy="4801314"/>
+            <a:ext cx="8064896" cy="4985980"/>
           </a:xfrm>
           <a:prstGeom prst="rect">
             <a:avLst/>
@@ -31190,17 +31232,11 @@
             </a:pPr>
             <a:r>
               <a:rPr lang="pt-BR" smtClean="0"/>
-              <a:t> SE{[ps = 1] OU [ps </a:t>
-            </a:r>
-            <a:r>
-              <a:rPr lang="pt-BR" smtClean="0">
-                <a:latin typeface="Calibri"/>
-              </a:rPr>
-              <a:t>≠ 1</a:t>
+              <a:t> </a:t>
             </a:r>
             <a:r>
               <a:rPr lang="pt-BR" smtClean="0"/>
-              <a:t>] E [</a:t>
+              <a:t>SE{(ps = 1) OU [(ps ≠ 1) E (</a:t>
             </a:r>
             <a:r>
               <a:rPr lang="pt-BR" i="1" smtClean="0"/>
@@ -31208,17 +31244,7 @@
             </a:r>
             <a:r>
               <a:rPr lang="pt-BR" smtClean="0"/>
-              <a:t> </a:t>
-            </a:r>
-            <a:r>
-              <a:rPr lang="pt-BR" smtClean="0">
-                <a:latin typeface="Calibri"/>
-              </a:rPr>
-              <a:t>≤</a:t>
-            </a:r>
-            <a:r>
-              <a:rPr lang="pt-BR" smtClean="0"/>
-              <a:t> ps]} </a:t>
+              <a:t> ≤ ps)]} </a:t>
             </a:r>
             <a:r>
               <a:rPr lang="pt-BR" smtClean="0">
@@ -31236,7 +31262,19 @@
               <a:rPr lang="pt-BR" smtClean="0">
                 <a:sym typeface="Wingdings" pitchFamily="2" charset="2"/>
               </a:rPr>
-              <a:t> = p</a:t>
+              <a:t> </a:t>
+            </a:r>
+            <a:r>
+              <a:rPr lang="pt-BR" smtClean="0">
+                <a:sym typeface="Wingdings" pitchFamily="2" charset="2"/>
+              </a:rPr>
+              <a:t>= </a:t>
+            </a:r>
+            <a:r>
+              <a:rPr lang="pt-BR" smtClean="0">
+                <a:sym typeface="Wingdings" pitchFamily="2" charset="2"/>
+              </a:rPr>
+              <a:t>p</a:t>
             </a:r>
             <a:r>
               <a:rPr lang="pt-BR" baseline="-25000" smtClean="0">
@@ -31244,6 +31282,9 @@
               </a:rPr>
               <a:t>2</a:t>
             </a:r>
+            <a:endParaRPr lang="pt-BR" baseline="-25000" smtClean="0">
+              <a:sym typeface="Wingdings" pitchFamily="2" charset="2"/>
+            </a:endParaRPr>
           </a:p>
           <a:p>
             <a:pPr marL="900113" lvl="1">
